--- a/Northwestern/EVERYTHING_ABOUT_BULLET.pptx
+++ b/Northwestern/EVERYTHING_ABOUT_BULLET.pptx
@@ -5,15 +5,16 @@
     <p:sldMasterId id="2147483648" r:id="rId4"/>
   </p:sldMasterIdLst>
   <p:notesMasterIdLst>
-    <p:notesMasterId r:id="rId11"/>
+    <p:notesMasterId r:id="rId12"/>
   </p:notesMasterIdLst>
   <p:sldIdLst>
     <p:sldId id="256" r:id="rId5"/>
     <p:sldId id="325" r:id="rId6"/>
     <p:sldId id="257" r:id="rId7"/>
     <p:sldId id="258" r:id="rId8"/>
-    <p:sldId id="259" r:id="rId9"/>
-    <p:sldId id="260" r:id="rId10"/>
+    <p:sldId id="326" r:id="rId9"/>
+    <p:sldId id="259" r:id="rId10"/>
+    <p:sldId id="260" r:id="rId11"/>
   </p:sldIdLst>
   <p:sldSz cx="12192000" cy="6858000"/>
   <p:notesSz cx="6858000" cy="9144000"/>
@@ -202,7 +203,7 @@
           <a:p>
             <a:fld id="{D2F678DD-598B-49BF-9569-86C90C13E2F4}" type="datetimeFigureOut">
               <a:rPr lang="en-US" smtClean="0"/>
-              <a:t>4/5/2022</a:t>
+              <a:t>8/23/2022</a:t>
             </a:fld>
             <a:endParaRPr lang="en-US"/>
           </a:p>
@@ -759,7 +760,7 @@
           <a:p>
             <a:fld id="{76D5EC8F-7C86-47F3-82D8-7CBEA90DC48D}" type="datetimeFigureOut">
               <a:rPr lang="en-US" smtClean="0"/>
-              <a:t>4/5/2022</a:t>
+              <a:t>8/23/2022</a:t>
             </a:fld>
             <a:endParaRPr lang="en-US"/>
           </a:p>
@@ -957,7 +958,7 @@
           <a:p>
             <a:fld id="{76D5EC8F-7C86-47F3-82D8-7CBEA90DC48D}" type="datetimeFigureOut">
               <a:rPr lang="en-US" smtClean="0"/>
-              <a:t>4/5/2022</a:t>
+              <a:t>8/23/2022</a:t>
             </a:fld>
             <a:endParaRPr lang="en-US"/>
           </a:p>
@@ -1165,7 +1166,7 @@
           <a:p>
             <a:fld id="{76D5EC8F-7C86-47F3-82D8-7CBEA90DC48D}" type="datetimeFigureOut">
               <a:rPr lang="en-US" smtClean="0"/>
-              <a:t>4/5/2022</a:t>
+              <a:t>8/23/2022</a:t>
             </a:fld>
             <a:endParaRPr lang="en-US"/>
           </a:p>
@@ -1363,7 +1364,7 @@
           <a:p>
             <a:fld id="{76D5EC8F-7C86-47F3-82D8-7CBEA90DC48D}" type="datetimeFigureOut">
               <a:rPr lang="en-US" smtClean="0"/>
-              <a:t>4/5/2022</a:t>
+              <a:t>8/23/2022</a:t>
             </a:fld>
             <a:endParaRPr lang="en-US"/>
           </a:p>
@@ -1638,7 +1639,7 @@
           <a:p>
             <a:fld id="{76D5EC8F-7C86-47F3-82D8-7CBEA90DC48D}" type="datetimeFigureOut">
               <a:rPr lang="en-US" smtClean="0"/>
-              <a:t>4/5/2022</a:t>
+              <a:t>8/23/2022</a:t>
             </a:fld>
             <a:endParaRPr lang="en-US"/>
           </a:p>
@@ -1903,7 +1904,7 @@
           <a:p>
             <a:fld id="{76D5EC8F-7C86-47F3-82D8-7CBEA90DC48D}" type="datetimeFigureOut">
               <a:rPr lang="en-US" smtClean="0"/>
-              <a:t>4/5/2022</a:t>
+              <a:t>8/23/2022</a:t>
             </a:fld>
             <a:endParaRPr lang="en-US"/>
           </a:p>
@@ -2315,7 +2316,7 @@
           <a:p>
             <a:fld id="{76D5EC8F-7C86-47F3-82D8-7CBEA90DC48D}" type="datetimeFigureOut">
               <a:rPr lang="en-US" smtClean="0"/>
-              <a:t>4/5/2022</a:t>
+              <a:t>8/23/2022</a:t>
             </a:fld>
             <a:endParaRPr lang="en-US"/>
           </a:p>
@@ -2456,7 +2457,7 @@
           <a:p>
             <a:fld id="{76D5EC8F-7C86-47F3-82D8-7CBEA90DC48D}" type="datetimeFigureOut">
               <a:rPr lang="en-US" smtClean="0"/>
-              <a:t>4/5/2022</a:t>
+              <a:t>8/23/2022</a:t>
             </a:fld>
             <a:endParaRPr lang="en-US"/>
           </a:p>
@@ -2569,7 +2570,7 @@
           <a:p>
             <a:fld id="{76D5EC8F-7C86-47F3-82D8-7CBEA90DC48D}" type="datetimeFigureOut">
               <a:rPr lang="en-US" smtClean="0"/>
-              <a:t>4/5/2022</a:t>
+              <a:t>8/23/2022</a:t>
             </a:fld>
             <a:endParaRPr lang="en-US"/>
           </a:p>
@@ -2880,7 +2881,7 @@
           <a:p>
             <a:fld id="{76D5EC8F-7C86-47F3-82D8-7CBEA90DC48D}" type="datetimeFigureOut">
               <a:rPr lang="en-US" smtClean="0"/>
-              <a:t>4/5/2022</a:t>
+              <a:t>8/23/2022</a:t>
             </a:fld>
             <a:endParaRPr lang="en-US"/>
           </a:p>
@@ -3168,7 +3169,7 @@
           <a:p>
             <a:fld id="{76D5EC8F-7C86-47F3-82D8-7CBEA90DC48D}" type="datetimeFigureOut">
               <a:rPr lang="en-US" smtClean="0"/>
-              <a:t>4/5/2022</a:t>
+              <a:t>8/23/2022</a:t>
             </a:fld>
             <a:endParaRPr lang="en-US"/>
           </a:p>
@@ -3409,7 +3410,7 @@
           <a:p>
             <a:fld id="{76D5EC8F-7C86-47F3-82D8-7CBEA90DC48D}" type="datetimeFigureOut">
               <a:rPr lang="en-US" smtClean="0"/>
-              <a:t>4/5/2022</a:t>
+              <a:t>8/23/2022</a:t>
             </a:fld>
             <a:endParaRPr lang="en-US"/>
           </a:p>
@@ -5808,10 +5809,10 @@
       </p:grpSpPr>
       <p:sp>
         <p:nvSpPr>
-          <p:cNvPr id="2" name="Title 1">
-            <a:extLst>
-              <a:ext uri="{FF2B5EF4-FFF2-40B4-BE49-F238E27FC236}">
-                <a16:creationId xmlns:a16="http://schemas.microsoft.com/office/drawing/2014/main" id="{2FDEA7C1-9F76-497A-B7D0-62382C149C3A}"/>
+          <p:cNvPr id="2" name="标题 1">
+            <a:extLst>
+              <a:ext uri="{FF2B5EF4-FFF2-40B4-BE49-F238E27FC236}">
+                <a16:creationId xmlns:a16="http://schemas.microsoft.com/office/drawing/2014/main" id="{C6183EA3-4023-1948-7E21-914A5EB3A385}"/>
               </a:ext>
             </a:extLst>
           </p:cNvPr>
@@ -5829,187 +5830,505 @@
           <a:p>
             <a:r>
               <a:rPr lang="en-US" dirty="0"/>
+              <a:t>Linear complementarity problem</a:t>
+            </a:r>
+          </a:p>
+        </p:txBody>
+      </p:sp>
+      <p:pic>
+        <p:nvPicPr>
+          <p:cNvPr id="5" name="图片 4">
+            <a:extLst>
+              <a:ext uri="{FF2B5EF4-FFF2-40B4-BE49-F238E27FC236}">
+                <a16:creationId xmlns:a16="http://schemas.microsoft.com/office/drawing/2014/main" id="{5F71CA2F-3B9C-6F97-4646-F1F438205922}"/>
+              </a:ext>
+            </a:extLst>
+          </p:cNvPr>
+          <p:cNvPicPr>
+            <a:picLocks noChangeAspect="1"/>
+          </p:cNvPicPr>
+          <p:nvPr/>
+        </p:nvPicPr>
+        <p:blipFill>
+          <a:blip r:embed="rId2"/>
+          <a:stretch>
+            <a:fillRect/>
+          </a:stretch>
+        </p:blipFill>
+        <p:spPr>
+          <a:xfrm>
+            <a:off x="481879" y="1929885"/>
+            <a:ext cx="2890451" cy="2172732"/>
+          </a:xfrm>
+          <a:prstGeom prst="rect">
+            <a:avLst/>
+          </a:prstGeom>
+        </p:spPr>
+      </p:pic>
+      <p:sp>
+        <p:nvSpPr>
+          <p:cNvPr id="6" name="文本框 5">
+            <a:extLst>
+              <a:ext uri="{FF2B5EF4-FFF2-40B4-BE49-F238E27FC236}">
+                <a16:creationId xmlns:a16="http://schemas.microsoft.com/office/drawing/2014/main" id="{34BDBEF7-9EE7-8892-1EE3-BF5988621161}"/>
+              </a:ext>
+            </a:extLst>
+          </p:cNvPr>
+          <p:cNvSpPr txBox="1"/>
+          <p:nvPr/>
+        </p:nvSpPr>
+        <p:spPr>
+          <a:xfrm>
+            <a:off x="481879" y="1690688"/>
+            <a:ext cx="2124299" cy="369332"/>
+          </a:xfrm>
+          <a:prstGeom prst="rect">
+            <a:avLst/>
+          </a:prstGeom>
+          <a:noFill/>
+        </p:spPr>
+        <p:txBody>
+          <a:bodyPr wrap="none" rtlCol="0">
+            <a:spAutoFit/>
+          </a:bodyPr>
+          <a:lstStyle/>
+          <a:p>
+            <a:r>
+              <a:rPr lang="en-US" dirty="0"/>
+              <a:t>Formula for impulse:</a:t>
+            </a:r>
+          </a:p>
+        </p:txBody>
+      </p:sp>
+      <p:pic>
+        <p:nvPicPr>
+          <p:cNvPr id="8" name="图片 7">
+            <a:extLst>
+              <a:ext uri="{FF2B5EF4-FFF2-40B4-BE49-F238E27FC236}">
+                <a16:creationId xmlns:a16="http://schemas.microsoft.com/office/drawing/2014/main" id="{FF9A7A8C-4215-A785-CB2C-99DD9C006F27}"/>
+              </a:ext>
+            </a:extLst>
+          </p:cNvPr>
+          <p:cNvPicPr>
+            <a:picLocks noChangeAspect="1"/>
+          </p:cNvPicPr>
+          <p:nvPr/>
+        </p:nvPicPr>
+        <p:blipFill>
+          <a:blip r:embed="rId3"/>
+          <a:stretch>
+            <a:fillRect/>
+          </a:stretch>
+        </p:blipFill>
+        <p:spPr>
+          <a:xfrm>
+            <a:off x="705730" y="5097518"/>
+            <a:ext cx="1676596" cy="1165579"/>
+          </a:xfrm>
+          <a:prstGeom prst="rect">
+            <a:avLst/>
+          </a:prstGeom>
+        </p:spPr>
+      </p:pic>
+      <p:sp>
+        <p:nvSpPr>
+          <p:cNvPr id="9" name="文本框 8">
+            <a:extLst>
+              <a:ext uri="{FF2B5EF4-FFF2-40B4-BE49-F238E27FC236}">
+                <a16:creationId xmlns:a16="http://schemas.microsoft.com/office/drawing/2014/main" id="{831E03DB-016D-6784-77FF-7779842077B3}"/>
+              </a:ext>
+            </a:extLst>
+          </p:cNvPr>
+          <p:cNvSpPr txBox="1"/>
+          <p:nvPr/>
+        </p:nvSpPr>
+        <p:spPr>
+          <a:xfrm>
+            <a:off x="481879" y="4613315"/>
+            <a:ext cx="2062359" cy="369332"/>
+          </a:xfrm>
+          <a:prstGeom prst="rect">
+            <a:avLst/>
+          </a:prstGeom>
+          <a:noFill/>
+        </p:spPr>
+        <p:txBody>
+          <a:bodyPr wrap="none" rtlCol="0">
+            <a:spAutoFit/>
+          </a:bodyPr>
+          <a:lstStyle/>
+          <a:p>
+            <a:r>
+              <a:rPr lang="en-US" dirty="0"/>
+              <a:t>LCP problem setup:</a:t>
+            </a:r>
+          </a:p>
+        </p:txBody>
+      </p:sp>
+      <p:pic>
+        <p:nvPicPr>
+          <p:cNvPr id="1030" name="Picture 6">
+            <a:extLst>
+              <a:ext uri="{FF2B5EF4-FFF2-40B4-BE49-F238E27FC236}">
+                <a16:creationId xmlns:a16="http://schemas.microsoft.com/office/drawing/2014/main" id="{DE1371F0-60A4-F172-B436-8747E3CA7224}"/>
+              </a:ext>
+            </a:extLst>
+          </p:cNvPr>
+          <p:cNvPicPr>
+            <a:picLocks noChangeAspect="1" noChangeArrowheads="1"/>
+          </p:cNvPicPr>
+          <p:nvPr/>
+        </p:nvPicPr>
+        <p:blipFill>
+          <a:blip r:embed="rId4">
+            <a:extLst>
+              <a:ext uri="{28A0092B-C50C-407E-A947-70E740481C1C}">
+                <a14:useLocalDpi xmlns:a14="http://schemas.microsoft.com/office/drawing/2010/main" val="0"/>
+              </a:ext>
+            </a:extLst>
+          </a:blip>
+          <a:srcRect/>
+          <a:stretch>
+            <a:fillRect/>
+          </a:stretch>
+        </p:blipFill>
+        <p:spPr bwMode="auto">
+          <a:xfrm>
+            <a:off x="5792031" y="2372501"/>
+            <a:ext cx="4325725" cy="3524665"/>
+          </a:xfrm>
+          <a:prstGeom prst="rect">
+            <a:avLst/>
+          </a:prstGeom>
+          <a:noFill/>
+          <a:extLst>
+            <a:ext uri="{909E8E84-426E-40DD-AFC4-6F175D3DCCD1}">
+              <a14:hiddenFill xmlns:a14="http://schemas.microsoft.com/office/drawing/2010/main">
+                <a:solidFill>
+                  <a:srgbClr val="FFFFFF"/>
+                </a:solidFill>
+              </a14:hiddenFill>
+            </a:ext>
+          </a:extLst>
+        </p:spPr>
+      </p:pic>
+      <p:sp>
+        <p:nvSpPr>
+          <p:cNvPr id="11" name="文本框 10">
+            <a:extLst>
+              <a:ext uri="{FF2B5EF4-FFF2-40B4-BE49-F238E27FC236}">
+                <a16:creationId xmlns:a16="http://schemas.microsoft.com/office/drawing/2014/main" id="{F7CB960C-6424-4BA5-2CD2-0E75D58AEB2C}"/>
+              </a:ext>
+            </a:extLst>
+          </p:cNvPr>
+          <p:cNvSpPr txBox="1"/>
+          <p:nvPr/>
+        </p:nvSpPr>
+        <p:spPr>
+          <a:xfrm>
+            <a:off x="3803840" y="1649160"/>
+            <a:ext cx="6376554" cy="646331"/>
+          </a:xfrm>
+          <a:prstGeom prst="rect">
+            <a:avLst/>
+          </a:prstGeom>
+          <a:noFill/>
+        </p:spPr>
+        <p:txBody>
+          <a:bodyPr wrap="none" rtlCol="0">
+            <a:spAutoFit/>
+          </a:bodyPr>
+          <a:lstStyle/>
+          <a:p>
+            <a:r>
+              <a:rPr lang="en-US" dirty="0"/>
+              <a:t>Mass matrix. Its inverse is also symmetric and positive definite.</a:t>
+            </a:r>
+            <a:br>
+              <a:rPr lang="en-US" dirty="0"/>
+            </a:br>
+            <a:r>
+              <a:rPr lang="en-US" dirty="0"/>
+              <a:t>So for this LCP problem, convergence guaranteed using PGS solver.</a:t>
+            </a:r>
+          </a:p>
+        </p:txBody>
+      </p:sp>
+      <p:sp>
+        <p:nvSpPr>
+          <p:cNvPr id="12" name="文本框 11">
+            <a:extLst>
+              <a:ext uri="{FF2B5EF4-FFF2-40B4-BE49-F238E27FC236}">
+                <a16:creationId xmlns:a16="http://schemas.microsoft.com/office/drawing/2014/main" id="{2CF442E8-C0B8-A222-CA61-7DD114F4CC9C}"/>
+              </a:ext>
+            </a:extLst>
+          </p:cNvPr>
+          <p:cNvSpPr txBox="1"/>
+          <p:nvPr/>
+        </p:nvSpPr>
+        <p:spPr>
+          <a:xfrm>
+            <a:off x="3803840" y="5974176"/>
+            <a:ext cx="7290457" cy="369332"/>
+          </a:xfrm>
+          <a:prstGeom prst="rect">
+            <a:avLst/>
+          </a:prstGeom>
+          <a:noFill/>
+        </p:spPr>
+        <p:txBody>
+          <a:bodyPr wrap="none" rtlCol="0">
+            <a:spAutoFit/>
+          </a:bodyPr>
+          <a:lstStyle/>
+          <a:p>
+            <a:r>
+              <a:rPr lang="en-US" dirty="0"/>
+              <a:t>Sequential impulse constraint solver is just an implementation of PGS solver.</a:t>
+            </a:r>
+          </a:p>
+        </p:txBody>
+      </p:sp>
+      <p:pic>
+        <p:nvPicPr>
+          <p:cNvPr id="14" name="图片 13">
+            <a:extLst>
+              <a:ext uri="{FF2B5EF4-FFF2-40B4-BE49-F238E27FC236}">
+                <a16:creationId xmlns:a16="http://schemas.microsoft.com/office/drawing/2014/main" id="{F5CCF590-89CE-8214-507D-AF834670AA1D}"/>
+              </a:ext>
+            </a:extLst>
+          </p:cNvPr>
+          <p:cNvPicPr>
+            <a:picLocks noChangeAspect="1"/>
+          </p:cNvPicPr>
+          <p:nvPr/>
+        </p:nvPicPr>
+        <p:blipFill>
+          <a:blip r:embed="rId5"/>
+          <a:stretch>
+            <a:fillRect/>
+          </a:stretch>
+        </p:blipFill>
+        <p:spPr>
+          <a:xfrm>
+            <a:off x="3667956" y="2874676"/>
+            <a:ext cx="2124075" cy="1409700"/>
+          </a:xfrm>
+          <a:prstGeom prst="rect">
+            <a:avLst/>
+          </a:prstGeom>
+        </p:spPr>
+      </p:pic>
+      <p:sp>
+        <p:nvSpPr>
+          <p:cNvPr id="16" name="文本框 15">
+            <a:extLst>
+              <a:ext uri="{FF2B5EF4-FFF2-40B4-BE49-F238E27FC236}">
+                <a16:creationId xmlns:a16="http://schemas.microsoft.com/office/drawing/2014/main" id="{8C331349-AB7C-5BBC-1E3D-356237D84369}"/>
+              </a:ext>
+            </a:extLst>
+          </p:cNvPr>
+          <p:cNvSpPr txBox="1"/>
+          <p:nvPr/>
+        </p:nvSpPr>
+        <p:spPr>
+          <a:xfrm>
+            <a:off x="4085792" y="5680307"/>
+            <a:ext cx="6094602" cy="369332"/>
+          </a:xfrm>
+          <a:prstGeom prst="rect">
+            <a:avLst/>
+          </a:prstGeom>
+          <a:noFill/>
+        </p:spPr>
+        <p:txBody>
+          <a:bodyPr wrap="square">
+            <a:spAutoFit/>
+          </a:bodyPr>
+          <a:lstStyle/>
+          <a:p>
+            <a:r>
+              <a:rPr lang="en-US" dirty="0">
+                <a:hlinkClick r:id="rId6"/>
+              </a:rPr>
+              <a:t>image.diku.dk/</a:t>
+            </a:r>
+            <a:r>
+              <a:rPr lang="en-US" dirty="0" err="1">
+                <a:hlinkClick r:id="rId6"/>
+              </a:rPr>
+              <a:t>kenny</a:t>
+            </a:r>
+            <a:r>
+              <a:rPr lang="en-US" dirty="0">
+                <a:hlinkClick r:id="rId6"/>
+              </a:rPr>
+              <a:t>/download/erleben.05.thesis.pdf</a:t>
+            </a:r>
+            <a:endParaRPr lang="en-US" dirty="0"/>
+          </a:p>
+        </p:txBody>
+      </p:sp>
+      <p:sp>
+        <p:nvSpPr>
+          <p:cNvPr id="17" name="文本框 16">
+            <a:extLst>
+              <a:ext uri="{FF2B5EF4-FFF2-40B4-BE49-F238E27FC236}">
+                <a16:creationId xmlns:a16="http://schemas.microsoft.com/office/drawing/2014/main" id="{13F8BFC3-6295-8CB6-8C8F-443C6E334253}"/>
+              </a:ext>
+            </a:extLst>
+          </p:cNvPr>
+          <p:cNvSpPr txBox="1"/>
+          <p:nvPr/>
+        </p:nvSpPr>
+        <p:spPr>
+          <a:xfrm>
+            <a:off x="83891" y="0"/>
+            <a:ext cx="11602535" cy="369332"/>
+          </a:xfrm>
+          <a:prstGeom prst="rect">
+            <a:avLst/>
+          </a:prstGeom>
+          <a:noFill/>
+        </p:spPr>
+        <p:txBody>
+          <a:bodyPr wrap="none" rtlCol="0">
+            <a:spAutoFit/>
+          </a:bodyPr>
+          <a:lstStyle/>
+          <a:p>
+            <a:r>
+              <a:rPr lang="en-US" dirty="0"/>
+              <a:t>Why global solver is bad? 1. time complexity 2. sudden collapse for a single frame because two constraints are inconsistent</a:t>
+            </a:r>
+          </a:p>
+        </p:txBody>
+      </p:sp>
+    </p:spTree>
+    <p:extLst>
+      <p:ext uri="{BB962C8B-B14F-4D97-AF65-F5344CB8AC3E}">
+        <p14:creationId xmlns:p14="http://schemas.microsoft.com/office/powerpoint/2010/main" val="1397597578"/>
+      </p:ext>
+    </p:extLst>
+  </p:cSld>
+  <p:clrMapOvr>
+    <a:masterClrMapping/>
+  </p:clrMapOvr>
+</p:sld>
+</file>
+
+<file path=ppt/slides/slide6.xml><?xml version="1.0" encoding="utf-8"?>
+<p:sld xmlns:a="http://schemas.openxmlformats.org/drawingml/2006/main" xmlns:r="http://schemas.openxmlformats.org/officeDocument/2006/relationships" xmlns:p="http://schemas.openxmlformats.org/presentationml/2006/main">
+  <p:cSld>
+    <p:spTree>
+      <p:nvGrpSpPr>
+        <p:cNvPr id="1" name=""/>
+        <p:cNvGrpSpPr/>
+        <p:nvPr/>
+      </p:nvGrpSpPr>
+      <p:grpSpPr>
+        <a:xfrm>
+          <a:off x="0" y="0"/>
+          <a:ext cx="0" cy="0"/>
+          <a:chOff x="0" y="0"/>
+          <a:chExt cx="0" cy="0"/>
+        </a:xfrm>
+      </p:grpSpPr>
+      <p:sp>
+        <p:nvSpPr>
+          <p:cNvPr id="2" name="Title 1">
+            <a:extLst>
+              <a:ext uri="{FF2B5EF4-FFF2-40B4-BE49-F238E27FC236}">
+                <a16:creationId xmlns:a16="http://schemas.microsoft.com/office/drawing/2014/main" id="{2FDEA7C1-9F76-497A-B7D0-62382C149C3A}"/>
+              </a:ext>
+            </a:extLst>
+          </p:cNvPr>
+          <p:cNvSpPr>
+            <a:spLocks noGrp="1"/>
+          </p:cNvSpPr>
+          <p:nvPr>
+            <p:ph type="title"/>
+          </p:nvPr>
+        </p:nvSpPr>
+        <p:spPr/>
+        <p:txBody>
+          <a:bodyPr/>
+          <a:lstStyle/>
+          <a:p>
+            <a:r>
+              <a:rPr lang="en-US" dirty="0"/>
               <a:t>Integration</a:t>
             </a:r>
           </a:p>
         </p:txBody>
       </p:sp>
-      <mc:AlternateContent xmlns:mc="http://schemas.openxmlformats.org/markup-compatibility/2006" xmlns:a14="http://schemas.microsoft.com/office/drawing/2010/main">
-        <mc:Choice Requires="a14">
-          <p:sp>
-            <p:nvSpPr>
-              <p:cNvPr id="3" name="Content Placeholder 2">
-                <a:extLst>
-                  <a:ext uri="{FF2B5EF4-FFF2-40B4-BE49-F238E27FC236}">
-                    <a16:creationId xmlns:a16="http://schemas.microsoft.com/office/drawing/2014/main" id="{93A14C21-BA11-4FCD-823A-50E497BEB898}"/>
-                  </a:ext>
-                </a:extLst>
-              </p:cNvPr>
-              <p:cNvSpPr>
-                <a:spLocks noGrp="1"/>
-              </p:cNvSpPr>
-              <p:nvPr>
-                <p:ph idx="1"/>
-              </p:nvPr>
-            </p:nvSpPr>
-            <p:spPr/>
-            <p:txBody>
-              <a:bodyPr/>
-              <a:lstStyle/>
-              <a:p>
-                <a:r>
-                  <a:rPr lang="en-US" dirty="0"/>
-                  <a:t>The sequential impulse constraint solver will allow explicit integrator to have accurate integration </a:t>
-                </a:r>
-                <a:r>
-                  <a:rPr lang="en-US" dirty="0">
-                    <a:solidFill>
-                      <a:srgbClr val="FF0000"/>
-                    </a:solidFill>
-                  </a:rPr>
-                  <a:t>with </a:t>
-                </a:r>
-                <a14:m>
-                  <m:oMath xmlns:m="http://schemas.openxmlformats.org/officeDocument/2006/math">
-                    <m:r>
-                      <a:rPr lang="en-US" b="0" i="1" smtClean="0">
-                        <a:solidFill>
-                          <a:srgbClr val="FF0000"/>
-                        </a:solidFill>
-                        <a:latin typeface="Cambria Math" panose="02040503050406030204" pitchFamily="18" charset="0"/>
-                      </a:rPr>
-                      <m:t>𝑂</m:t>
-                    </m:r>
-                    <m:r>
-                      <a:rPr lang="en-US" b="0" i="1" smtClean="0">
-                        <a:solidFill>
-                          <a:srgbClr val="FF0000"/>
-                        </a:solidFill>
-                        <a:latin typeface="Cambria Math" panose="02040503050406030204" pitchFamily="18" charset="0"/>
-                      </a:rPr>
-                      <m:t>(</m:t>
-                    </m:r>
-                    <m:sSup>
-                      <m:sSupPr>
-                        <m:ctrlPr>
-                          <a:rPr lang="en-US" b="0" i="1" smtClean="0">
-                            <a:solidFill>
-                              <a:srgbClr val="FF0000"/>
-                            </a:solidFill>
-                            <a:latin typeface="Cambria Math" panose="02040503050406030204" pitchFamily="18" charset="0"/>
-                          </a:rPr>
-                        </m:ctrlPr>
-                      </m:sSupPr>
-                      <m:e>
-                        <m:r>
-                          <m:rPr>
-                            <m:sty m:val="p"/>
-                          </m:rPr>
-                          <a:rPr lang="en-US" b="0" i="0" smtClean="0">
-                            <a:solidFill>
-                              <a:srgbClr val="FF0000"/>
-                            </a:solidFill>
-                            <a:latin typeface="Cambria Math" panose="02040503050406030204" pitchFamily="18" charset="0"/>
-                          </a:rPr>
-                          <m:t>Δ</m:t>
-                        </m:r>
-                        <m:r>
-                          <a:rPr lang="en-US" b="0" i="1" smtClean="0">
-                            <a:solidFill>
-                              <a:srgbClr val="FF0000"/>
-                            </a:solidFill>
-                            <a:latin typeface="Cambria Math" panose="02040503050406030204" pitchFamily="18" charset="0"/>
-                          </a:rPr>
-                          <m:t>𝑡</m:t>
-                        </m:r>
-                      </m:e>
-                      <m:sup>
-                        <m:r>
-                          <a:rPr lang="en-US" b="0" i="1" smtClean="0">
-                            <a:solidFill>
-                              <a:srgbClr val="FF0000"/>
-                            </a:solidFill>
-                            <a:latin typeface="Cambria Math" panose="02040503050406030204" pitchFamily="18" charset="0"/>
-                          </a:rPr>
-                          <m:t>2</m:t>
-                        </m:r>
-                      </m:sup>
-                    </m:sSup>
-                    <m:r>
-                      <a:rPr lang="en-US" b="0" i="1" smtClean="0">
-                        <a:solidFill>
-                          <a:srgbClr val="FF0000"/>
-                        </a:solidFill>
-                        <a:latin typeface="Cambria Math" panose="02040503050406030204" pitchFamily="18" charset="0"/>
-                      </a:rPr>
-                      <m:t>)</m:t>
-                    </m:r>
-                  </m:oMath>
-                </a14:m>
-                <a:endParaRPr lang="en-US" dirty="0"/>
-              </a:p>
-              <a:p>
-                <a:endParaRPr lang="en-US" dirty="0"/>
-              </a:p>
-              <a:p>
-                <a:r>
-                  <a:rPr lang="en-US" dirty="0"/>
-                  <a:t>Object velocity is updated by </a:t>
-                </a:r>
-                <a:br>
-                  <a:rPr lang="en-US" dirty="0"/>
-                </a:br>
-                <a:r>
-                  <a:rPr lang="en-US" dirty="0"/>
-                  <a:t>(line 324 of btRigidBody.cpp)</a:t>
-                </a:r>
-              </a:p>
-              <a:p>
-                <a:endParaRPr lang="en-US" dirty="0"/>
-              </a:p>
-            </p:txBody>
-          </p:sp>
-        </mc:Choice>
-        <mc:Fallback xmlns="">
-          <p:sp>
-            <p:nvSpPr>
-              <p:cNvPr id="3" name="Content Placeholder 2">
-                <a:extLst>
-                  <a:ext uri="{FF2B5EF4-FFF2-40B4-BE49-F238E27FC236}">
-                    <a16:creationId xmlns:a16="http://schemas.microsoft.com/office/drawing/2014/main" id="{93A14C21-BA11-4FCD-823A-50E497BEB898}"/>
-                  </a:ext>
-                </a:extLst>
-              </p:cNvPr>
-              <p:cNvSpPr>
-                <a:spLocks noGrp="1" noRot="1" noChangeAspect="1" noMove="1" noResize="1" noEditPoints="1" noAdjustHandles="1" noChangeArrowheads="1" noChangeShapeType="1" noTextEdit="1"/>
-              </p:cNvSpPr>
-              <p:nvPr>
-                <p:ph idx="1"/>
-              </p:nvPr>
-            </p:nvSpPr>
-            <p:spPr>
-              <a:blipFill>
-                <a:blip r:embed="rId2"/>
-                <a:stretch>
-                  <a:fillRect l="-1043" t="-2241"/>
-                </a:stretch>
-              </a:blipFill>
-            </p:spPr>
-            <p:txBody>
-              <a:bodyPr/>
-              <a:lstStyle/>
-              <a:p>
-                <a:r>
-                  <a:rPr lang="en-US">
-                    <a:noFill/>
-                  </a:rPr>
-                  <a:t> </a:t>
-                </a:r>
-              </a:p>
-            </p:txBody>
-          </p:sp>
-        </mc:Fallback>
-      </mc:AlternateContent>
+      <p:sp>
+        <p:nvSpPr>
+          <p:cNvPr id="3" name="Content Placeholder 2">
+            <a:extLst>
+              <a:ext uri="{FF2B5EF4-FFF2-40B4-BE49-F238E27FC236}">
+                <a16:creationId xmlns:a16="http://schemas.microsoft.com/office/drawing/2014/main" id="{93A14C21-BA11-4FCD-823A-50E497BEB898}"/>
+              </a:ext>
+            </a:extLst>
+          </p:cNvPr>
+          <p:cNvSpPr>
+            <a:spLocks noGrp="1"/>
+          </p:cNvSpPr>
+          <p:nvPr>
+            <p:ph idx="1"/>
+          </p:nvPr>
+        </p:nvSpPr>
+        <p:spPr/>
+        <p:txBody>
+          <a:bodyPr/>
+          <a:lstStyle/>
+          <a:p>
+            <a:r>
+              <a:rPr lang="en-US" dirty="0"/>
+              <a:t>Integrator: </a:t>
+            </a:r>
+            <a:r>
+              <a:rPr lang="en-US" dirty="0" err="1"/>
+              <a:t>sympletic</a:t>
+            </a:r>
+            <a:r>
+              <a:rPr lang="en-US" dirty="0"/>
+              <a:t> integration (semi-implicit integration)</a:t>
+            </a:r>
+          </a:p>
+          <a:p>
+            <a:endParaRPr lang="en-US" dirty="0"/>
+          </a:p>
+          <a:p>
+            <a:r>
+              <a:rPr lang="en-US" dirty="0"/>
+              <a:t>Object velocity is updated by </a:t>
+            </a:r>
+            <a:br>
+              <a:rPr lang="en-US" dirty="0"/>
+            </a:br>
+            <a:r>
+              <a:rPr lang="en-US" dirty="0"/>
+              <a:t>(line 324 of btRigidBody.cpp)</a:t>
+            </a:r>
+          </a:p>
+          <a:p>
+            <a:endParaRPr lang="en-US" dirty="0"/>
+          </a:p>
+          <a:p>
+            <a:endParaRPr lang="en-US" dirty="0"/>
+          </a:p>
+          <a:p>
+            <a:r>
+              <a:rPr lang="en-US" dirty="0"/>
+              <a:t>First update velocity then update position.</a:t>
+            </a:r>
+          </a:p>
+          <a:p>
+            <a:endParaRPr lang="en-US" dirty="0"/>
+          </a:p>
+        </p:txBody>
+      </p:sp>
       <p:pic>
         <p:nvPicPr>
           <p:cNvPr id="7" name="Picture 6">
@@ -6025,13 +6344,13 @@
           <p:nvPr/>
         </p:nvPicPr>
         <p:blipFill rotWithShape="1">
-          <a:blip r:embed="rId3"/>
+          <a:blip r:embed="rId2"/>
           <a:srcRect b="4488"/>
           <a:stretch/>
         </p:blipFill>
         <p:spPr>
           <a:xfrm>
-            <a:off x="676994" y="4206096"/>
+            <a:off x="747088" y="3702757"/>
             <a:ext cx="10606712" cy="917994"/>
           </a:xfrm>
           <a:prstGeom prst="rect">
@@ -6052,7 +6371,7 @@
 </p:sld>
 </file>
 
-<file path=ppt/slides/slide6.xml><?xml version="1.0" encoding="utf-8"?>
+<file path=ppt/slides/slide7.xml><?xml version="1.0" encoding="utf-8"?>
 <p:sld xmlns:a="http://schemas.openxmlformats.org/drawingml/2006/main" xmlns:r="http://schemas.openxmlformats.org/officeDocument/2006/relationships" xmlns:p="http://schemas.openxmlformats.org/presentationml/2006/main">
   <p:cSld>
     <p:spTree>
@@ -7108,15 +7427,6 @@
 </file>
 
 <file path=customXml/item2.xml><?xml version="1.0" encoding="utf-8"?>
-<?mso-contentType ?>
-<FormTemplates xmlns="http://schemas.microsoft.com/sharepoint/v3/contenttype/forms">
-  <Display>DocumentLibraryForm</Display>
-  <Edit>DocumentLibraryForm</Edit>
-  <New>DocumentLibraryForm</New>
-</FormTemplates>
-</file>
-
-<file path=customXml/item3.xml><?xml version="1.0" encoding="utf-8"?>
 <ct:contentTypeSchema xmlns:ct="http://schemas.microsoft.com/office/2006/metadata/contentType" xmlns:ma="http://schemas.microsoft.com/office/2006/metadata/properties/metaAttributes" ct:_="" ma:_="" ma:contentTypeName="Document" ma:contentTypeID="0x01010036A2ED3FCD64534B9F36D98846FDC9CE" ma:contentTypeVersion="12" ma:contentTypeDescription="Create a new document." ma:contentTypeScope="" ma:versionID="90fd2a83f5dd24583a6e3fa486adde0e">
   <xsd:schema xmlns:xsd="http://www.w3.org/2001/XMLSchema" xmlns:xs="http://www.w3.org/2001/XMLSchema" xmlns:p="http://schemas.microsoft.com/office/2006/metadata/properties" xmlns:ns2="31f590fd-802d-4981-b551-2491b26a790e" xmlns:ns3="51e3fa90-0bd2-4e45-b4ed-6252fa1132a8" targetNamespace="http://schemas.microsoft.com/office/2006/metadata/properties" ma:root="true" ma:fieldsID="1ff499960b4ab855a970681993178e9c" ns2:_="" ns3:_="">
     <xsd:import namespace="31f590fd-802d-4981-b551-2491b26a790e"/>
@@ -7333,6 +7643,15 @@
 </ct:contentTypeSchema>
 </file>
 
+<file path=customXml/item3.xml><?xml version="1.0" encoding="utf-8"?>
+<?mso-contentType ?>
+<FormTemplates xmlns="http://schemas.microsoft.com/sharepoint/v3/contenttype/forms">
+  <Display>DocumentLibraryForm</Display>
+  <Edit>DocumentLibraryForm</Edit>
+  <New>DocumentLibraryForm</New>
+</FormTemplates>
+</file>
+
 <file path=customXml/itemProps1.xml><?xml version="1.0" encoding="utf-8"?>
 <ds:datastoreItem xmlns:ds="http://schemas.openxmlformats.org/officeDocument/2006/customXml" ds:itemID="{A20224C6-77A3-4FD0-91FA-5AF7511E6E68}">
   <ds:schemaRefs>
@@ -7343,14 +7662,6 @@
 </file>
 
 <file path=customXml/itemProps2.xml><?xml version="1.0" encoding="utf-8"?>
-<ds:datastoreItem xmlns:ds="http://schemas.openxmlformats.org/officeDocument/2006/customXml" ds:itemID="{BA4C485C-57BC-40B3-A784-363FA986BEA8}">
-  <ds:schemaRefs>
-    <ds:schemaRef ds:uri="http://schemas.microsoft.com/sharepoint/v3/contenttype/forms"/>
-  </ds:schemaRefs>
-</ds:datastoreItem>
-</file>
-
-<file path=customXml/itemProps3.xml><?xml version="1.0" encoding="utf-8"?>
 <ds:datastoreItem xmlns:ds="http://schemas.openxmlformats.org/officeDocument/2006/customXml" ds:itemID="{0DE920C0-9611-4FB1-AD76-7EF289411F13}">
   <ds:schemaRefs>
     <ds:schemaRef ds:uri="http://schemas.microsoft.com/office/2006/metadata/contentType"/>
@@ -7367,4 +7678,12 @@
     <ds:schemaRef ds:uri="http://schemas.microsoft.com/internal/obd"/>
   </ds:schemaRefs>
 </ds:datastoreItem>
+</file>
+
+<file path=customXml/itemProps3.xml><?xml version="1.0" encoding="utf-8"?>
+<ds:datastoreItem xmlns:ds="http://schemas.openxmlformats.org/officeDocument/2006/customXml" ds:itemID="{BA4C485C-57BC-40B3-A784-363FA986BEA8}">
+  <ds:schemaRefs>
+    <ds:schemaRef ds:uri="http://schemas.microsoft.com/sharepoint/v3/contenttype/forms"/>
+  </ds:schemaRefs>
+</ds:datastoreItem>
 </file>